--- a/assets/img/main/coverage.pptx
+++ b/assets/img/main/coverage.pptx
@@ -105,6 +105,11 @@
       </a:defRPr>
     </a:lvl9pPr>
   </p:defaultTextStyle>
+  <p:extLst>
+    <p:ext uri="{EFAFB233-063F-42B5-8137-9DF3F51BA10A}">
+      <p15:sldGuideLst xmlns:p15="http://schemas.microsoft.com/office/powerpoint/2012/main"/>
+    </p:ext>
+  </p:extLst>
 </p:presentation>
 </file>
 
@@ -3395,7 +3400,7 @@
         </p:nvGrpSpPr>
         <p:grpSpPr>
           <a:xfrm>
-            <a:off x="2726108" y="2102265"/>
+            <a:off x="2307357" y="2102265"/>
             <a:ext cx="0" cy="649481"/>
             <a:chOff x="2726108" y="2102265"/>
             <a:chExt cx="0" cy="649481"/>
@@ -3417,7 +3422,7 @@
             </a:prstGeom>
             <a:ln w="28575">
               <a:solidFill>
-                <a:schemeClr val="tx1"/>
+                <a:srgbClr val="FF0000"/>
               </a:solidFill>
               <a:tailEnd type="triangle"/>
             </a:ln>
@@ -3453,7 +3458,7 @@
             </a:prstGeom>
             <a:ln w="28575">
               <a:solidFill>
-                <a:schemeClr val="tx1"/>
+                <a:srgbClr val="FF0000"/>
               </a:solidFill>
               <a:tailEnd type="triangle"/>
             </a:ln>
@@ -3482,7 +3487,7 @@
         </p:nvSpPr>
         <p:spPr>
           <a:xfrm>
-            <a:off x="1444235" y="1956985"/>
+            <a:off x="1444235" y="1803158"/>
             <a:ext cx="863121" cy="307777"/>
           </a:xfrm>
           <a:prstGeom prst="rect">
@@ -3512,7 +3517,7 @@
         </p:nvSpPr>
         <p:spPr>
           <a:xfrm>
-            <a:off x="4952389" y="1956856"/>
+            <a:off x="4952389" y="1820121"/>
             <a:ext cx="1295098" cy="307777"/>
           </a:xfrm>
           <a:prstGeom prst="rect">
